--- a/text-mining/Which initiatives to select.pptx
+++ b/text-mining/Which initiatives to select.pptx
@@ -112,6 +112,11 @@
       </a:defRPr>
     </a:lvl9pPr>
   </p:defaultTextStyle>
+  <p:extLst>
+    <p:ext uri="{EFAFB233-063F-42B5-8137-9DF3F51BA10A}">
+      <p15:sldGuideLst xmlns:p15="http://schemas.microsoft.com/office/powerpoint/2012/main"/>
+    </p:ext>
+  </p:extLst>
 </p:presentation>
 </file>
 
@@ -1234,7 +1239,7 @@
           <a:p>
             <a:fld id="{0DAF61AA-5A98-4049-A93E-477E5505141A}" type="datetimeFigureOut">
               <a:rPr lang="en-US" smtClean="0"/>
-              <a:t>6/22/2021</a:t>
+              <a:t>8/1/2021</a:t>
             </a:fld>
             <a:endParaRPr lang="en-US" dirty="0"/>
           </a:p>
@@ -1486,7 +1491,7 @@
             <a:fld id="{0DAF61AA-5A98-4049-A93E-477E5505141A}" type="datetimeFigureOut">
               <a:rPr lang="en-US" smtClean="0"/>
               <a:pPr/>
-              <a:t>6/22/2021</a:t>
+              <a:t>8/1/2021</a:t>
             </a:fld>
             <a:endParaRPr lang="en-US" dirty="0"/>
           </a:p>
@@ -1802,7 +1807,7 @@
             <a:fld id="{0DAF61AA-5A98-4049-A93E-477E5505141A}" type="datetimeFigureOut">
               <a:rPr lang="en-US" smtClean="0"/>
               <a:pPr/>
-              <a:t>6/22/2021</a:t>
+              <a:t>8/1/2021</a:t>
             </a:fld>
             <a:endParaRPr lang="en-US" dirty="0"/>
           </a:p>
@@ -2145,7 +2150,7 @@
             <a:fld id="{0DAF61AA-5A98-4049-A93E-477E5505141A}" type="datetimeFigureOut">
               <a:rPr lang="en-US" smtClean="0"/>
               <a:pPr/>
-              <a:t>6/22/2021</a:t>
+              <a:t>8/1/2021</a:t>
             </a:fld>
             <a:endParaRPr lang="en-US" dirty="0"/>
           </a:p>
@@ -2461,7 +2466,7 @@
             <a:fld id="{0DAF61AA-5A98-4049-A93E-477E5505141A}" type="datetimeFigureOut">
               <a:rPr lang="en-US" smtClean="0"/>
               <a:pPr/>
-              <a:t>6/22/2021</a:t>
+              <a:t>8/1/2021</a:t>
             </a:fld>
             <a:endParaRPr lang="en-US" dirty="0"/>
           </a:p>
@@ -2856,7 +2861,7 @@
             <a:fld id="{0DAF61AA-5A98-4049-A93E-477E5505141A}" type="datetimeFigureOut">
               <a:rPr lang="en-US" smtClean="0"/>
               <a:pPr/>
-              <a:t>6/22/2021</a:t>
+              <a:t>8/1/2021</a:t>
             </a:fld>
             <a:endParaRPr lang="en-US" dirty="0"/>
           </a:p>
@@ -3027,7 +3032,7 @@
           <a:p>
             <a:fld id="{0DAF61AA-5A98-4049-A93E-477E5505141A}" type="datetimeFigureOut">
               <a:rPr lang="en-US" smtClean="0"/>
-              <a:t>6/22/2021</a:t>
+              <a:t>8/1/2021</a:t>
             </a:fld>
             <a:endParaRPr lang="en-US"/>
           </a:p>
@@ -3207,7 +3212,7 @@
           <a:p>
             <a:fld id="{0DAF61AA-5A98-4049-A93E-477E5505141A}" type="datetimeFigureOut">
               <a:rPr lang="en-US" smtClean="0"/>
-              <a:t>6/22/2021</a:t>
+              <a:t>8/1/2021</a:t>
             </a:fld>
             <a:endParaRPr lang="en-US"/>
           </a:p>
@@ -3383,7 +3388,7 @@
           <a:p>
             <a:fld id="{0DAF61AA-5A98-4049-A93E-477E5505141A}" type="datetimeFigureOut">
               <a:rPr lang="en-US" smtClean="0"/>
-              <a:t>6/22/2021</a:t>
+              <a:t>8/1/2021</a:t>
             </a:fld>
             <a:endParaRPr lang="en-US"/>
           </a:p>
@@ -3630,7 +3635,7 @@
           <a:p>
             <a:fld id="{0DAF61AA-5A98-4049-A93E-477E5505141A}" type="datetimeFigureOut">
               <a:rPr lang="en-US" smtClean="0"/>
-              <a:t>6/22/2021</a:t>
+              <a:t>8/1/2021</a:t>
             </a:fld>
             <a:endParaRPr lang="en-US"/>
           </a:p>
@@ -3862,7 +3867,7 @@
           <a:p>
             <a:fld id="{0DAF61AA-5A98-4049-A93E-477E5505141A}" type="datetimeFigureOut">
               <a:rPr lang="en-US" smtClean="0"/>
-              <a:t>6/22/2021</a:t>
+              <a:t>8/1/2021</a:t>
             </a:fld>
             <a:endParaRPr lang="en-US"/>
           </a:p>
@@ -4236,7 +4241,7 @@
           <a:p>
             <a:fld id="{0DAF61AA-5A98-4049-A93E-477E5505141A}" type="datetimeFigureOut">
               <a:rPr lang="en-US" smtClean="0"/>
-              <a:t>6/22/2021</a:t>
+              <a:t>8/1/2021</a:t>
             </a:fld>
             <a:endParaRPr lang="en-US"/>
           </a:p>
@@ -4359,7 +4364,7 @@
           <a:p>
             <a:fld id="{0DAF61AA-5A98-4049-A93E-477E5505141A}" type="datetimeFigureOut">
               <a:rPr lang="en-US" smtClean="0"/>
-              <a:t>6/22/2021</a:t>
+              <a:t>8/1/2021</a:t>
             </a:fld>
             <a:endParaRPr lang="en-US"/>
           </a:p>
@@ -4454,7 +4459,7 @@
           <a:p>
             <a:fld id="{0DAF61AA-5A98-4049-A93E-477E5505141A}" type="datetimeFigureOut">
               <a:rPr lang="en-US" smtClean="0"/>
-              <a:t>6/22/2021</a:t>
+              <a:t>8/1/2021</a:t>
             </a:fld>
             <a:endParaRPr lang="en-US"/>
           </a:p>
@@ -4709,7 +4714,7 @@
           <a:p>
             <a:fld id="{0DAF61AA-5A98-4049-A93E-477E5505141A}" type="datetimeFigureOut">
               <a:rPr lang="en-US" smtClean="0"/>
-              <a:t>6/22/2021</a:t>
+              <a:t>8/1/2021</a:t>
             </a:fld>
             <a:endParaRPr lang="en-US"/>
           </a:p>
@@ -4972,7 +4977,7 @@
           <a:p>
             <a:fld id="{0DAF61AA-5A98-4049-A93E-477E5505141A}" type="datetimeFigureOut">
               <a:rPr lang="en-US" smtClean="0"/>
-              <a:t>6/22/2021</a:t>
+              <a:t>8/1/2021</a:t>
             </a:fld>
             <a:endParaRPr lang="en-US"/>
           </a:p>
@@ -5716,7 +5721,7 @@
             <a:fld id="{0DAF61AA-5A98-4049-A93E-477E5505141A}" type="datetimeFigureOut">
               <a:rPr lang="en-US" smtClean="0"/>
               <a:pPr/>
-              <a:t>6/22/2021</a:t>
+              <a:t>8/1/2021</a:t>
             </a:fld>
             <a:endParaRPr lang="en-US" dirty="0"/>
           </a:p>
@@ -6799,7 +6804,15 @@
           <a:p>
             <a:r>
               <a:rPr lang="en-NZ" dirty="0"/>
-              <a:t>2. Funding the number of clusters (topics) based on word frequencies.</a:t>
+              <a:t>2. </a:t>
+            </a:r>
+            <a:r>
+              <a:rPr lang="en-NZ"/>
+              <a:t>Finding </a:t>
+            </a:r>
+            <a:r>
+              <a:rPr lang="en-NZ" dirty="0"/>
+              <a:t>the number of clusters (topics) based on word frequencies.</a:t>
             </a:r>
           </a:p>
           <a:p>
